--- a/ppts/001_Course_Introduction.pptx
+++ b/ppts/001_Course_Introduction.pptx
@@ -255,7 +255,7 @@
       <p15:sldGuideLst xmlns:p15="http://schemas.microsoft.com/office/powerpoint/2012/main"/>
     </p:ext>
     <p:ext uri="http://customooxmlschemas.google.com/">
-      <go:slidesCustomData xmlns="" xmlns:mc="http://schemas.openxmlformats.org/markup-compatibility/2006" xmlns:mv="urn:schemas-microsoft-com:mac:vml" xmlns:c="http://schemas.openxmlformats.org/drawingml/2006/chart" xmlns:dgm="http://schemas.openxmlformats.org/drawingml/2006/diagram" xmlns:o="urn:schemas-microsoft-com:office:office" xmlns:v="urn:schemas-microsoft-com:vml" xmlns:pvml="urn:schemas-microsoft-com:office:powerpoint" xmlns:com="http://schemas.openxmlformats.org/drawingml/2006/compatibility" xmlns:p14="http://schemas.microsoft.com/office/powerpoint/2010/main" xmlns:p15="http://schemas.microsoft.com/office/powerpoint/2012/main" xmlns:ahyp="http://schemas.microsoft.com/office/drawing/2018/hyperlinkcolor" xmlns:go="http://customooxmlschemas.google.com/" r:id="rId17" roundtripDataSignature="AMtx7mjOl3wY/ScEx41xit++ibw3rmF4WA=="/>
+      <go:slidesCustomData xmlns:go="http://customooxmlschemas.google.com/" xmlns:ahyp="http://schemas.microsoft.com/office/drawing/2018/hyperlinkcolor" xmlns:p15="http://schemas.microsoft.com/office/powerpoint/2012/main" xmlns:p14="http://schemas.microsoft.com/office/powerpoint/2010/main" xmlns:com="http://schemas.openxmlformats.org/drawingml/2006/compatibility" xmlns:pvml="urn:schemas-microsoft-com:office:powerpoint" xmlns:v="urn:schemas-microsoft-com:vml" xmlns:o="urn:schemas-microsoft-com:office:office" xmlns:dgm="http://schemas.openxmlformats.org/drawingml/2006/diagram" xmlns:c="http://schemas.openxmlformats.org/drawingml/2006/chart" xmlns:mv="urn:schemas-microsoft-com:mac:vml" xmlns:mc="http://schemas.openxmlformats.org/markup-compatibility/2006" xmlns="" r:id="rId17" roundtripDataSignature="AMtx7mjOl3wY/ScEx41xit++ibw3rmF4WA=="/>
     </p:ext>
   </p:extLst>
 </p:presentation>
@@ -21613,7 +21613,7 @@
           <p:nvPr>
             <p:extLst>
               <p:ext uri="{D42A27DB-BD31-4B8C-83A1-F6EECF244321}">
-                <p14:modId xmlns:p14="http://schemas.microsoft.com/office/powerpoint/2010/main" val="933886314"/>
+                <p14:modId xmlns:p14="http://schemas.microsoft.com/office/powerpoint/2010/main" val="2953326622"/>
               </p:ext>
             </p:extLst>
           </p:nvPr>
@@ -22124,7 +22124,7 @@
                     <a:bodyPr/>
                     <a:lstStyle/>
                     <a:p>
-                      <a:pPr marL="0" marR="0" lvl="0" indent="0" algn="l" rtl="0">
+                      <a:pPr marL="0" marR="0" lvl="0" indent="0" algn="l" defTabSz="914400" rtl="0" eaLnBrk="1" fontAlgn="auto" latinLnBrk="0" hangingPunct="1">
                         <a:lnSpc>
                           <a:spcPct val="100000"/>
                         </a:lnSpc>
@@ -22135,11 +22135,13 @@
                           <a:spcPts val="0"/>
                         </a:spcAft>
                         <a:buClr>
-                          <a:schemeClr val="dk1"/>
+                          <a:srgbClr val="000000"/>
                         </a:buClr>
                         <a:buSzPts val="1800"/>
                         <a:buFont typeface="Calibri"/>
                         <a:buNone/>
+                        <a:tabLst/>
+                        <a:defRPr/>
                       </a:pPr>
                       <a:r>
                         <a:rPr kumimoji="0" lang="en-GB" sz="1800" b="0" i="0" u="none" strike="noStrike" kern="0" cap="none" spc="0" normalizeH="0" baseline="0" noProof="0" dirty="0">
@@ -22156,9 +22158,22 @@
                           <a:cs typeface="Calibri"/>
                           <a:sym typeface="Arial"/>
                         </a:rPr>
-                        <a:t>Debugging errors </a:t>
+                        <a:t>Positioning stimuli on-screen</a:t>
                       </a:r>
-                      <a:endParaRPr sz="1400" u="none" strike="noStrike" cap="none" dirty="0"/>
+                      <a:endParaRPr kumimoji="0" lang="en-GB" sz="1400" b="0" i="0" u="none" strike="noStrike" kern="0" cap="none" spc="0" normalizeH="0" baseline="0" noProof="0" dirty="0">
+                        <a:ln>
+                          <a:noFill/>
+                        </a:ln>
+                        <a:solidFill>
+                          <a:srgbClr val="000000"/>
+                        </a:solidFill>
+                        <a:effectLst/>
+                        <a:uLnTx/>
+                        <a:uFillTx/>
+                        <a:latin typeface="Calibri"/>
+                        <a:cs typeface="Calibri"/>
+                        <a:sym typeface="Arial"/>
+                      </a:endParaRPr>
                     </a:p>
                   </a:txBody>
                   <a:tcPr marL="91450" marR="91450" marT="45725" marB="45725"/>
@@ -22180,14 +22195,14 @@
           <p:nvPr>
             <p:extLst>
               <p:ext uri="{D42A27DB-BD31-4B8C-83A1-F6EECF244321}">
-                <p14:modId xmlns:p14="http://schemas.microsoft.com/office/powerpoint/2010/main" val="911085605"/>
+                <p14:modId xmlns:p14="http://schemas.microsoft.com/office/powerpoint/2010/main" val="936706770"/>
               </p:ext>
             </p:extLst>
           </p:nvPr>
         </p:nvGraphicFramePr>
         <p:xfrm>
           <a:off x="6261445" y="1955751"/>
-          <a:ext cx="5285895" cy="4657300"/>
+          <a:ext cx="5285895" cy="4905560"/>
         </p:xfrm>
         <a:graphic>
           <a:graphicData uri="http://schemas.openxmlformats.org/drawingml/2006/table">
@@ -22332,7 +22347,7 @@
                           <a:srgbClr val="000000"/>
                         </a:buClr>
                         <a:buSzPts val="1800"/>
-                        <a:buFont typeface="Calibri"/>
+                        <a:buFont typeface="Arial"/>
                         <a:buNone/>
                         <a:tabLst/>
                         <a:defRPr/>
@@ -22352,22 +22367,9 @@
                           <a:cs typeface="Calibri"/>
                           <a:sym typeface="Arial"/>
                         </a:rPr>
-                        <a:t>Positioning stimuli on-screen</a:t>
+                        <a:t>Providing participant feedback in an experiment</a:t>
                       </a:r>
-                      <a:endParaRPr kumimoji="0" lang="en-GB" sz="1400" b="0" i="0" u="none" strike="noStrike" kern="0" cap="none" spc="0" normalizeH="0" baseline="0" noProof="0" dirty="0">
-                        <a:ln>
-                          <a:noFill/>
-                        </a:ln>
-                        <a:solidFill>
-                          <a:srgbClr val="000000"/>
-                        </a:solidFill>
-                        <a:effectLst/>
-                        <a:uLnTx/>
-                        <a:uFillTx/>
-                        <a:latin typeface="Calibri"/>
-                        <a:cs typeface="Calibri"/>
-                        <a:sym typeface="Arial"/>
-                      </a:endParaRPr>
+                      <a:endParaRPr lang="en-GB" sz="1800" u="none" strike="noStrike" cap="none" dirty="0"/>
                     </a:p>
                     <a:p>
                       <a:pPr marL="0" marR="0" lvl="0" indent="0" algn="l" rtl="0">
@@ -22387,7 +22389,7 @@
                         <a:buFont typeface="Arial"/>
                         <a:buNone/>
                       </a:pPr>
-                      <a:endParaRPr sz="1400" u="none" strike="noStrike" cap="none" dirty="0"/>
+                      <a:endParaRPr sz="1800" u="none" strike="noStrike" cap="none" dirty="0"/>
                     </a:p>
                   </a:txBody>
                   <a:tcPr marL="91450" marR="91450" marT="45725" marB="45725"/>
@@ -22449,7 +22451,7 @@
                           <a:srgbClr val="000000"/>
                         </a:buClr>
                         <a:buSzPts val="1800"/>
-                        <a:buFont typeface="Arial"/>
+                        <a:buFont typeface="Calibri"/>
                         <a:buNone/>
                         <a:tabLst/>
                         <a:defRPr/>
@@ -22469,26 +22471,30 @@
                           <a:cs typeface="Calibri"/>
                           <a:sym typeface="Arial"/>
                         </a:rPr>
-                        <a:t>Providing participant feedback in </a:t>
+                        <a:t>Work on your assessment</a:t>
                       </a:r>
-                      <a:r>
-                        <a:rPr kumimoji="0" lang="en-GB" sz="1800" b="0" i="0" u="none" strike="noStrike" kern="0" cap="none" spc="0" normalizeH="0" baseline="0" noProof="0">
-                          <a:ln>
-                            <a:noFill/>
-                          </a:ln>
-                          <a:solidFill>
-                            <a:srgbClr val="000000"/>
-                          </a:solidFill>
-                          <a:effectLst/>
-                          <a:uLnTx/>
-                          <a:uFillTx/>
-                          <a:latin typeface="Calibri"/>
-                          <a:cs typeface="Calibri"/>
-                          <a:sym typeface="Arial"/>
-                        </a:rPr>
-                        <a:t>an experiment</a:t>
-                      </a:r>
-                      <a:endParaRPr sz="1400" u="none" strike="noStrike" cap="none" dirty="0"/>
+                    </a:p>
+                    <a:p>
+                      <a:pPr marL="0" marR="0" lvl="0" indent="0" algn="l" defTabSz="914400" rtl="0" eaLnBrk="1" fontAlgn="auto" latinLnBrk="0" hangingPunct="1">
+                        <a:lnSpc>
+                          <a:spcPct val="100000"/>
+                        </a:lnSpc>
+                        <a:spcBef>
+                          <a:spcPts val="0"/>
+                        </a:spcBef>
+                        <a:spcAft>
+                          <a:spcPts val="0"/>
+                        </a:spcAft>
+                        <a:buClr>
+                          <a:srgbClr val="000000"/>
+                        </a:buClr>
+                        <a:buSzPts val="1800"/>
+                        <a:buFont typeface="Arial"/>
+                        <a:buNone/>
+                        <a:tabLst/>
+                        <a:defRPr/>
+                      </a:pPr>
+                      <a:endParaRPr sz="1800" u="none" strike="noStrike" cap="none" dirty="0"/>
                     </a:p>
                   </a:txBody>
                   <a:tcPr marL="91450" marR="91450" marT="45725" marB="45725"/>
@@ -22556,23 +22562,14 @@
                         <a:defRPr/>
                       </a:pPr>
                       <a:r>
-                        <a:rPr kumimoji="0" lang="en-GB" sz="1800" b="0" i="0" u="none" strike="noStrike" kern="0" cap="none" spc="0" normalizeH="0" baseline="0" noProof="0" dirty="0">
-                          <a:ln>
-                            <a:noFill/>
-                          </a:ln>
-                          <a:solidFill>
-                            <a:srgbClr val="000000"/>
-                          </a:solidFill>
-                          <a:effectLst/>
-                          <a:uLnTx/>
-                          <a:uFillTx/>
-                          <a:latin typeface="Calibri"/>
-                          <a:cs typeface="Calibri"/>
-                          <a:sym typeface="Arial"/>
-                        </a:rPr>
-                        <a:t>Work on your assessment</a:t>
+                        <a:rPr lang="en-GB" sz="1800" u="none" strike="noStrike" cap="none" dirty="0"/>
+                        <a:t>Assessment </a:t>
                       </a:r>
-                      <a:endParaRPr sz="1400" u="none" strike="noStrike" cap="none" dirty="0"/>
+                      <a:r>
+                        <a:rPr lang="en-GB" sz="1800" u="none" strike="noStrike" cap="none" dirty="0" err="1"/>
+                        <a:t>sesssion</a:t>
+                      </a:r>
+                      <a:endParaRPr sz="1800" u="none" strike="noStrike" cap="none" dirty="0"/>
                     </a:p>
                   </a:txBody>
                   <a:tcPr marL="91450" marR="91450" marT="45725" marB="45725"/>
@@ -22656,7 +22653,7 @@
                         </a:rPr>
                         <a:t>Managing data from PsychoPy</a:t>
                       </a:r>
-                      <a:endParaRPr sz="1400" u="none" strike="noStrike" cap="none" dirty="0"/>
+                      <a:endParaRPr sz="1800" u="none" strike="noStrike" cap="none" dirty="0"/>
                     </a:p>
                   </a:txBody>
                   <a:tcPr marL="91450" marR="91450" marT="45725" marB="45725"/>
@@ -22738,9 +22735,9 @@
                           <a:cs typeface="Calibri"/>
                           <a:sym typeface="Arial"/>
                         </a:rPr>
-                        <a:t>More PsychoPy tools and streamlining experiments</a:t>
+                        <a:t>Assessment session</a:t>
                       </a:r>
-                      <a:endParaRPr sz="1400" u="none" strike="noStrike" cap="none" dirty="0"/>
+                      <a:endParaRPr sz="1800" u="none" strike="noStrike" cap="none" dirty="0"/>
                     </a:p>
                   </a:txBody>
                   <a:tcPr marL="91450" marR="91450" marT="45725" marB="45725"/>
@@ -22809,7 +22806,7 @@
                         <a:rPr lang="en-GB" sz="1800" u="none" strike="noStrike" cap="none" dirty="0"/>
                         <a:t>No teaching – Drop in session</a:t>
                       </a:r>
-                      <a:endParaRPr sz="1400" u="none" strike="noStrike" cap="none" dirty="0"/>
+                      <a:endParaRPr sz="1800" u="none" strike="noStrike" cap="none" dirty="0"/>
                     </a:p>
                   </a:txBody>
                   <a:tcPr marL="91450" marR="91450" marT="45725" marB="45725"/>
